--- a/ResNet.pptx
+++ b/ResNet.pptx
@@ -3803,6 +3803,115 @@
           </a:prstGeom>
         </p:spPr>
       </p:pic>
+      <p:cxnSp>
+        <p:nvCxnSpPr>
+          <p:cNvPr id="3" name="直接连接符 2"/>
+          <p:cNvCxnSpPr/>
+          <p:nvPr/>
+        </p:nvCxnSpPr>
+        <p:spPr>
+          <a:xfrm>
+            <a:off x="5866130" y="2360930"/>
+            <a:ext cx="6444615" cy="0"/>
+          </a:xfrm>
+          <a:prstGeom prst="line">
+            <a:avLst/>
+          </a:prstGeom>
+          <a:ln w="28575" cmpd="sng">
+            <a:solidFill>
+              <a:srgbClr val="FF0000"/>
+            </a:solidFill>
+            <a:prstDash val="solid"/>
+          </a:ln>
+        </p:spPr>
+        <p:style>
+          <a:lnRef idx="3">
+            <a:schemeClr val="accent2"/>
+          </a:lnRef>
+          <a:fillRef idx="0">
+            <a:schemeClr val="accent2"/>
+          </a:fillRef>
+          <a:effectRef idx="2">
+            <a:schemeClr val="accent2"/>
+          </a:effectRef>
+          <a:fontRef idx="minor">
+            <a:schemeClr val="tx1"/>
+          </a:fontRef>
+        </p:style>
+      </p:cxnSp>
+      <p:cxnSp>
+        <p:nvCxnSpPr>
+          <p:cNvPr id="6" name="直接连接符 5"/>
+          <p:cNvCxnSpPr/>
+          <p:nvPr/>
+        </p:nvCxnSpPr>
+        <p:spPr>
+          <a:xfrm>
+            <a:off x="506095" y="4493260"/>
+            <a:ext cx="6444615" cy="0"/>
+          </a:xfrm>
+          <a:prstGeom prst="line">
+            <a:avLst/>
+          </a:prstGeom>
+          <a:ln w="28575" cmpd="sng">
+            <a:solidFill>
+              <a:srgbClr val="FF0000"/>
+            </a:solidFill>
+            <a:prstDash val="solid"/>
+          </a:ln>
+        </p:spPr>
+        <p:style>
+          <a:lnRef idx="3">
+            <a:schemeClr val="accent2"/>
+          </a:lnRef>
+          <a:fillRef idx="0">
+            <a:schemeClr val="accent2"/>
+          </a:fillRef>
+          <a:effectRef idx="2">
+            <a:schemeClr val="accent2"/>
+          </a:effectRef>
+          <a:fontRef idx="minor">
+            <a:schemeClr val="tx1"/>
+          </a:fontRef>
+        </p:style>
+      </p:cxnSp>
+      <p:sp>
+        <p:nvSpPr>
+          <p:cNvPr id="7" name="文本框 6"/>
+          <p:cNvSpPr txBox="1"/>
+          <p:nvPr/>
+        </p:nvSpPr>
+        <p:spPr>
+          <a:xfrm>
+            <a:off x="9067165" y="3459480"/>
+            <a:ext cx="3142615" cy="2122805"/>
+          </a:xfrm>
+          <a:prstGeom prst="rect">
+            <a:avLst/>
+          </a:prstGeom>
+          <a:noFill/>
+        </p:spPr>
+        <p:txBody>
+          <a:bodyPr wrap="square" rtlCol="0">
+            <a:spAutoFit/>
+          </a:bodyPr>
+          <a:p>
+            <a:r>
+              <a:rPr lang="zh-CN" altLang="en-US" sz="4400"/>
+              <a:t>实际上去掉</a:t>
+            </a:r>
+            <a:r>
+              <a:rPr lang="en-US" altLang="zh-CN" sz="4400"/>
+              <a:t>BatchNorm</a:t>
+            </a:r>
+            <a:r>
+              <a:rPr lang="zh-CN" altLang="en-US" sz="4400"/>
+              <a:t>效果更好</a:t>
+            </a:r>
+            <a:endParaRPr lang="zh-CN" altLang="en-US" sz="4400"/>
+          </a:p>
+        </p:txBody>
+      </p:sp>
     </p:spTree>
   </p:cSld>
   <p:clrMapOvr>
@@ -3993,7 +4102,7 @@
       <p:grpSpPr/>
       <p:pic>
         <p:nvPicPr>
-          <p:cNvPr id="4" name="图片 3" descr="190433"/>
+          <p:cNvPr id="3" name="图片 2"/>
           <p:cNvPicPr>
             <a:picLocks noChangeAspect="1"/>
           </p:cNvPicPr>
@@ -4007,8 +4116,8 @@
         </p:blipFill>
         <p:spPr>
           <a:xfrm>
-            <a:off x="1821180" y="223520"/>
-            <a:ext cx="8549005" cy="6411595"/>
+            <a:off x="1801495" y="208280"/>
+            <a:ext cx="8620760" cy="6465570"/>
           </a:xfrm>
           <a:prstGeom prst="rect">
             <a:avLst/>
@@ -4023,8 +4132,8 @@
         </p:nvSpPr>
         <p:spPr>
           <a:xfrm>
-            <a:off x="4528820" y="2095500"/>
-            <a:ext cx="7773670" cy="1445260"/>
+            <a:off x="4259580" y="1407160"/>
+            <a:ext cx="7597775" cy="1445260"/>
           </a:xfrm>
           <a:prstGeom prst="rect">
             <a:avLst/>
@@ -4036,6 +4145,7 @@
             <a:spAutoFit/>
           </a:bodyPr>
           <a:p>
+            <a:pPr algn="l"/>
             <a:r>
               <a:rPr lang="en-US" altLang="zh-CN" sz="8800"/>
               <a:t>Final</a:t>
@@ -4046,7 +4156,11 @@
             </a:r>
             <a:r>
               <a:rPr lang="en-US" altLang="zh-CN" sz="8800"/>
-              <a:t>91.889 pt</a:t>
+              <a:t>	95.22</a:t>
+            </a:r>
+            <a:r>
+              <a:rPr lang="en-US" altLang="zh-CN" sz="8800"/>
+              <a:t> pt</a:t>
             </a:r>
             <a:endParaRPr lang="en-US" altLang="zh-CN" sz="8800"/>
           </a:p>
